--- a/clases/Cap02_Extraccion_de_Caracteristicas/presentations/PAT02_FX_Balu.pptx
+++ b/clases/Cap02_Extraccion_de_Caracteristicas/presentations/PAT02_FX_Balu.pptx
@@ -224,7 +224,7 @@
           <a:p>
             <a:fld id="{FA3AA01D-6B85-5A4E-BAEE-62A41445B4EE}" type="datetimeFigureOut">
               <a:rPr lang="en-US" smtClean="0"/>
-              <a:t>3/27/18</a:t>
+              <a:t>3/7/19</a:t>
             </a:fld>
             <a:endParaRPr lang="en-US"/>
           </a:p>
@@ -761,7 +761,7 @@
           <a:p>
             <a:fld id="{4FDCCE24-03B9-DF4D-B92C-1C16EC88C120}" type="datetimeFigureOut">
               <a:rPr lang="en-US" smtClean="0"/>
-              <a:t>3/27/18</a:t>
+              <a:t>3/7/19</a:t>
             </a:fld>
             <a:endParaRPr lang="en-US"/>
           </a:p>
@@ -931,7 +931,7 @@
           <a:p>
             <a:fld id="{4FDCCE24-03B9-DF4D-B92C-1C16EC88C120}" type="datetimeFigureOut">
               <a:rPr lang="en-US" smtClean="0"/>
-              <a:t>3/27/18</a:t>
+              <a:t>3/7/19</a:t>
             </a:fld>
             <a:endParaRPr lang="en-US"/>
           </a:p>
@@ -1111,7 +1111,7 @@
           <a:p>
             <a:fld id="{4FDCCE24-03B9-DF4D-B92C-1C16EC88C120}" type="datetimeFigureOut">
               <a:rPr lang="en-US" smtClean="0"/>
-              <a:t>3/27/18</a:t>
+              <a:t>3/7/19</a:t>
             </a:fld>
             <a:endParaRPr lang="en-US"/>
           </a:p>
@@ -1281,7 +1281,7 @@
           <a:p>
             <a:fld id="{4FDCCE24-03B9-DF4D-B92C-1C16EC88C120}" type="datetimeFigureOut">
               <a:rPr lang="en-US" smtClean="0"/>
-              <a:t>3/27/18</a:t>
+              <a:t>3/7/19</a:t>
             </a:fld>
             <a:endParaRPr lang="en-US"/>
           </a:p>
@@ -1527,7 +1527,7 @@
           <a:p>
             <a:fld id="{4FDCCE24-03B9-DF4D-B92C-1C16EC88C120}" type="datetimeFigureOut">
               <a:rPr lang="en-US" smtClean="0"/>
-              <a:t>3/27/18</a:t>
+              <a:t>3/7/19</a:t>
             </a:fld>
             <a:endParaRPr lang="en-US"/>
           </a:p>
@@ -1815,7 +1815,7 @@
           <a:p>
             <a:fld id="{4FDCCE24-03B9-DF4D-B92C-1C16EC88C120}" type="datetimeFigureOut">
               <a:rPr lang="en-US" smtClean="0"/>
-              <a:t>3/27/18</a:t>
+              <a:t>3/7/19</a:t>
             </a:fld>
             <a:endParaRPr lang="en-US"/>
           </a:p>
@@ -2237,7 +2237,7 @@
           <a:p>
             <a:fld id="{4FDCCE24-03B9-DF4D-B92C-1C16EC88C120}" type="datetimeFigureOut">
               <a:rPr lang="en-US" smtClean="0"/>
-              <a:t>3/27/18</a:t>
+              <a:t>3/7/19</a:t>
             </a:fld>
             <a:endParaRPr lang="en-US"/>
           </a:p>
@@ -2355,7 +2355,7 @@
           <a:p>
             <a:fld id="{4FDCCE24-03B9-DF4D-B92C-1C16EC88C120}" type="datetimeFigureOut">
               <a:rPr lang="en-US" smtClean="0"/>
-              <a:t>3/27/18</a:t>
+              <a:t>3/7/19</a:t>
             </a:fld>
             <a:endParaRPr lang="en-US"/>
           </a:p>
@@ -2450,7 +2450,7 @@
           <a:p>
             <a:fld id="{4FDCCE24-03B9-DF4D-B92C-1C16EC88C120}" type="datetimeFigureOut">
               <a:rPr lang="en-US" smtClean="0"/>
-              <a:t>3/27/18</a:t>
+              <a:t>3/7/19</a:t>
             </a:fld>
             <a:endParaRPr lang="en-US"/>
           </a:p>
@@ -2727,7 +2727,7 @@
           <a:p>
             <a:fld id="{4FDCCE24-03B9-DF4D-B92C-1C16EC88C120}" type="datetimeFigureOut">
               <a:rPr lang="en-US" smtClean="0"/>
-              <a:t>3/27/18</a:t>
+              <a:t>3/7/19</a:t>
             </a:fld>
             <a:endParaRPr lang="en-US"/>
           </a:p>
@@ -2980,7 +2980,7 @@
           <a:p>
             <a:fld id="{4FDCCE24-03B9-DF4D-B92C-1C16EC88C120}" type="datetimeFigureOut">
               <a:rPr lang="en-US" smtClean="0"/>
-              <a:t>3/27/18</a:t>
+              <a:t>3/7/19</a:t>
             </a:fld>
             <a:endParaRPr lang="en-US"/>
           </a:p>
@@ -3193,7 +3193,7 @@
           <a:p>
             <a:fld id="{4FDCCE24-03B9-DF4D-B92C-1C16EC88C120}" type="datetimeFigureOut">
               <a:rPr lang="en-US" smtClean="0"/>
-              <a:t>3/27/18</a:t>
+              <a:t>3/7/19</a:t>
             </a:fld>
             <a:endParaRPr lang="en-US"/>
           </a:p>
@@ -3993,28 +3993,6 @@
           </a:p>
           <a:p>
             <a:pPr algn="ctr"/>
-            <a:r>
-              <a:rPr lang="es-CL" sz="1200" dirty="0" smtClean="0">
-                <a:solidFill>
-                  <a:schemeClr val="bg1">
-                    <a:lumMod val="75000"/>
-                  </a:schemeClr>
-                </a:solidFill>
-                <a:latin typeface="Trebuchet MS" pitchFamily="34" charset="0"/>
-              </a:rPr>
-              <a:t>Semestre </a:t>
-            </a:r>
-            <a:r>
-              <a:rPr lang="es-CL" sz="1200" dirty="0" smtClean="0">
-                <a:solidFill>
-                  <a:schemeClr val="bg1">
-                    <a:lumMod val="75000"/>
-                  </a:schemeClr>
-                </a:solidFill>
-                <a:latin typeface="Trebuchet MS" pitchFamily="34" charset="0"/>
-              </a:rPr>
-              <a:t>2018-1</a:t>
-            </a:r>
             <a:endParaRPr lang="en-US" sz="1200" dirty="0">
               <a:solidFill>
                 <a:schemeClr val="bg1">
@@ -6716,14 +6694,7 @@
                 <a:latin typeface="Courier"/>
                 <a:cs typeface="Courier"/>
               </a:rPr>
-              <a:t>/face0304.bmp</a:t>
-            </a:r>
-            <a:r>
-              <a:rPr lang="en-US" dirty="0" smtClean="0">
-                <a:latin typeface="Courier"/>
-                <a:cs typeface="Courier"/>
-              </a:rPr>
-              <a:t>');</a:t>
+              <a:t>/face0304.bmp');</a:t>
             </a:r>
           </a:p>
           <a:p>
